--- a/145 - The First Noel.pptx
+++ b/145 - The First Noel.pptx
@@ -245,7 +245,7 @@
           <a:p>
             <a:fld id="{32F7251A-AE54-443C-B8FE-5F636E835EBF}" type="datetimeFigureOut">
               <a:rPr lang="en-US" smtClean="0"/>
-              <a:t>12/18/2019</a:t>
+              <a:t>8/9/2020</a:t>
             </a:fld>
             <a:endParaRPr lang="en-US"/>
           </a:p>
@@ -413,7 +413,7 @@
           <a:p>
             <a:fld id="{32F7251A-AE54-443C-B8FE-5F636E835EBF}" type="datetimeFigureOut">
               <a:rPr lang="en-US" smtClean="0"/>
-              <a:t>12/18/2019</a:t>
+              <a:t>8/9/2020</a:t>
             </a:fld>
             <a:endParaRPr lang="en-US"/>
           </a:p>
@@ -591,7 +591,7 @@
           <a:p>
             <a:fld id="{32F7251A-AE54-443C-B8FE-5F636E835EBF}" type="datetimeFigureOut">
               <a:rPr lang="en-US" smtClean="0"/>
-              <a:t>12/18/2019</a:t>
+              <a:t>8/9/2020</a:t>
             </a:fld>
             <a:endParaRPr lang="en-US"/>
           </a:p>
@@ -759,7 +759,7 @@
           <a:p>
             <a:fld id="{32F7251A-AE54-443C-B8FE-5F636E835EBF}" type="datetimeFigureOut">
               <a:rPr lang="en-US" smtClean="0"/>
-              <a:t>12/18/2019</a:t>
+              <a:t>8/9/2020</a:t>
             </a:fld>
             <a:endParaRPr lang="en-US"/>
           </a:p>
@@ -1004,7 +1004,7 @@
           <a:p>
             <a:fld id="{32F7251A-AE54-443C-B8FE-5F636E835EBF}" type="datetimeFigureOut">
               <a:rPr lang="en-US" smtClean="0"/>
-              <a:t>12/18/2019</a:t>
+              <a:t>8/9/2020</a:t>
             </a:fld>
             <a:endParaRPr lang="en-US"/>
           </a:p>
@@ -1233,7 +1233,7 @@
           <a:p>
             <a:fld id="{32F7251A-AE54-443C-B8FE-5F636E835EBF}" type="datetimeFigureOut">
               <a:rPr lang="en-US" smtClean="0"/>
-              <a:t>12/18/2019</a:t>
+              <a:t>8/9/2020</a:t>
             </a:fld>
             <a:endParaRPr lang="en-US"/>
           </a:p>
@@ -1597,7 +1597,7 @@
           <a:p>
             <a:fld id="{32F7251A-AE54-443C-B8FE-5F636E835EBF}" type="datetimeFigureOut">
               <a:rPr lang="en-US" smtClean="0"/>
-              <a:t>12/18/2019</a:t>
+              <a:t>8/9/2020</a:t>
             </a:fld>
             <a:endParaRPr lang="en-US"/>
           </a:p>
@@ -1714,7 +1714,7 @@
           <a:p>
             <a:fld id="{32F7251A-AE54-443C-B8FE-5F636E835EBF}" type="datetimeFigureOut">
               <a:rPr lang="en-US" smtClean="0"/>
-              <a:t>12/18/2019</a:t>
+              <a:t>8/9/2020</a:t>
             </a:fld>
             <a:endParaRPr lang="en-US"/>
           </a:p>
@@ -1809,7 +1809,7 @@
           <a:p>
             <a:fld id="{32F7251A-AE54-443C-B8FE-5F636E835EBF}" type="datetimeFigureOut">
               <a:rPr lang="en-US" smtClean="0"/>
-              <a:t>12/18/2019</a:t>
+              <a:t>8/9/2020</a:t>
             </a:fld>
             <a:endParaRPr lang="en-US"/>
           </a:p>
@@ -2084,7 +2084,7 @@
           <a:p>
             <a:fld id="{32F7251A-AE54-443C-B8FE-5F636E835EBF}" type="datetimeFigureOut">
               <a:rPr lang="en-US" smtClean="0"/>
-              <a:t>12/18/2019</a:t>
+              <a:t>8/9/2020</a:t>
             </a:fld>
             <a:endParaRPr lang="en-US"/>
           </a:p>
@@ -2336,7 +2336,7 @@
           <a:p>
             <a:fld id="{32F7251A-AE54-443C-B8FE-5F636E835EBF}" type="datetimeFigureOut">
               <a:rPr lang="en-US" smtClean="0"/>
-              <a:t>12/18/2019</a:t>
+              <a:t>8/9/2020</a:t>
             </a:fld>
             <a:endParaRPr lang="en-US"/>
           </a:p>
@@ -2403,7 +2403,9 @@
     <p:bg>
       <p:bgPr>
         <a:solidFill>
-          <a:srgbClr val="333333"/>
+          <a:schemeClr val="bg1">
+            <a:lumMod val="10000"/>
+          </a:schemeClr>
         </a:solidFill>
         <a:effectLst/>
       </p:bgPr>
@@ -2550,7 +2552,7 @@
           <a:p>
             <a:fld id="{32F7251A-AE54-443C-B8FE-5F636E835EBF}" type="datetimeFigureOut">
               <a:rPr lang="en-US" smtClean="0"/>
-              <a:t>12/18/2019</a:t>
+              <a:t>8/9/2020</a:t>
             </a:fld>
             <a:endParaRPr lang="en-US"/>
           </a:p>
@@ -3020,8 +3022,8 @@
         </p:nvSpPr>
         <p:spPr>
           <a:xfrm>
-            <a:off x="0" y="5804209"/>
-            <a:ext cx="12192000" cy="830997"/>
+            <a:off x="0" y="5927320"/>
+            <a:ext cx="12192000" cy="584775"/>
           </a:xfrm>
           <a:prstGeom prst="rect">
             <a:avLst/>
@@ -3036,10 +3038,12 @@
           <a:p>
             <a:pPr algn="ctr"/>
             <a:r>
-              <a:rPr lang="en-US" sz="4800" dirty="0">
+              <a:rPr lang="en-US" sz="3200" u="sng" dirty="0">
                 <a:solidFill>
                   <a:schemeClr val="bg1"/>
                 </a:solidFill>
+                <a:latin typeface="Assistant SemiBold" panose="00000700000000000000" pitchFamily="2" charset="-79"/>
+                <a:cs typeface="Assistant SemiBold" panose="00000700000000000000" pitchFamily="2" charset="-79"/>
               </a:rPr>
               <a:t>“The First Noel”</a:t>
             </a:r>
@@ -3054,8 +3058,8 @@
         </p:nvSpPr>
         <p:spPr>
           <a:xfrm>
-            <a:off x="0" y="690444"/>
-            <a:ext cx="12192000" cy="3970318"/>
+            <a:off x="0" y="1022944"/>
+            <a:ext cx="12192000" cy="3108543"/>
           </a:xfrm>
           <a:prstGeom prst="rect">
             <a:avLst/>
@@ -3070,10 +3074,12 @@
           <a:p>
             <a:pPr algn="ctr"/>
             <a:r>
-              <a:rPr lang="en-US" sz="3600" dirty="0">
+              <a:rPr lang="en-US" sz="2800" spc="50" dirty="0">
                 <a:solidFill>
                   <a:schemeClr val="bg1"/>
                 </a:solidFill>
+                <a:latin typeface="Assistant" panose="00000500000000000000" pitchFamily="2" charset="-79"/>
+                <a:cs typeface="Assistant" panose="00000500000000000000" pitchFamily="2" charset="-79"/>
               </a:rPr>
               <a:t>The first Noel!  The angel did say</a:t>
             </a:r>
@@ -3081,10 +3087,12 @@
           <a:p>
             <a:pPr algn="ctr"/>
             <a:r>
-              <a:rPr lang="en-US" sz="3600" dirty="0">
+              <a:rPr lang="en-US" sz="2800" spc="50" dirty="0">
                 <a:solidFill>
                   <a:schemeClr val="bg1"/>
                 </a:solidFill>
+                <a:latin typeface="Assistant" panose="00000500000000000000" pitchFamily="2" charset="-79"/>
+                <a:cs typeface="Assistant" panose="00000500000000000000" pitchFamily="2" charset="-79"/>
               </a:rPr>
               <a:t>Was to certain poor shepherds in fields as they lay</a:t>
             </a:r>
@@ -3092,10 +3100,12 @@
           <a:p>
             <a:pPr algn="ctr"/>
             <a:r>
-              <a:rPr lang="en-US" sz="3600" dirty="0">
+              <a:rPr lang="en-US" sz="2800" spc="50" dirty="0">
                 <a:solidFill>
                   <a:schemeClr val="bg1"/>
                 </a:solidFill>
+                <a:latin typeface="Assistant" panose="00000500000000000000" pitchFamily="2" charset="-79"/>
+                <a:cs typeface="Assistant" panose="00000500000000000000" pitchFamily="2" charset="-79"/>
               </a:rPr>
               <a:t>In fields where they lay a keeping their sheep</a:t>
             </a:r>
@@ -3103,29 +3113,35 @@
           <a:p>
             <a:pPr algn="ctr"/>
             <a:r>
-              <a:rPr lang="en-US" sz="3600" dirty="0">
+              <a:rPr lang="en-US" sz="2800" spc="50" dirty="0">
                 <a:solidFill>
                   <a:schemeClr val="bg1"/>
                 </a:solidFill>
+                <a:latin typeface="Assistant" panose="00000500000000000000" pitchFamily="2" charset="-79"/>
+                <a:cs typeface="Assistant" panose="00000500000000000000" pitchFamily="2" charset="-79"/>
               </a:rPr>
               <a:t>On a cold winter’s night that was so deep</a:t>
             </a:r>
           </a:p>
           <a:p>
             <a:pPr algn="ctr"/>
-            <a:endParaRPr lang="en-US" sz="3600" dirty="0">
+            <a:endParaRPr lang="en-US" sz="2800" spc="50" dirty="0">
               <a:solidFill>
                 <a:schemeClr val="bg1"/>
               </a:solidFill>
+              <a:latin typeface="Assistant" panose="00000500000000000000" pitchFamily="2" charset="-79"/>
+              <a:cs typeface="Assistant" panose="00000500000000000000" pitchFamily="2" charset="-79"/>
             </a:endParaRPr>
           </a:p>
           <a:p>
             <a:pPr algn="ctr"/>
             <a:r>
-              <a:rPr lang="en-US" sz="3600" dirty="0">
+              <a:rPr lang="en-US" sz="2800" spc="50" dirty="0">
                 <a:solidFill>
                   <a:schemeClr val="bg1"/>
                 </a:solidFill>
+                <a:latin typeface="Assistant" panose="00000500000000000000" pitchFamily="2" charset="-79"/>
+                <a:cs typeface="Assistant" panose="00000500000000000000" pitchFamily="2" charset="-79"/>
               </a:rPr>
               <a:t>Noel, Noel, Noel, Noel!</a:t>
             </a:r>
@@ -3133,12 +3149,14 @@
           <a:p>
             <a:pPr algn="ctr"/>
             <a:r>
-              <a:rPr lang="en-US" sz="3600" dirty="0">
+              <a:rPr lang="en-US" sz="2800" spc="50" dirty="0">
                 <a:solidFill>
                   <a:schemeClr val="bg1"/>
                 </a:solidFill>
+                <a:latin typeface="Assistant" panose="00000500000000000000" pitchFamily="2" charset="-79"/>
+                <a:cs typeface="Assistant" panose="00000500000000000000" pitchFamily="2" charset="-79"/>
               </a:rPr>
-              <a:t>Born is the King of Israel</a:t>
+              <a:t>Born is the King of Israel!</a:t>
             </a:r>
           </a:p>
         </p:txBody>
@@ -3238,8 +3256,8 @@
         </p:nvSpPr>
         <p:spPr>
           <a:xfrm>
-            <a:off x="0" y="5804209"/>
-            <a:ext cx="12192000" cy="830997"/>
+            <a:off x="0" y="5927320"/>
+            <a:ext cx="12192000" cy="584775"/>
           </a:xfrm>
           <a:prstGeom prst="rect">
             <a:avLst/>
@@ -3254,10 +3272,12 @@
           <a:p>
             <a:pPr algn="ctr"/>
             <a:r>
-              <a:rPr lang="en-US" sz="4800" dirty="0">
+              <a:rPr lang="en-US" sz="3200" u="sng" dirty="0">
                 <a:solidFill>
                   <a:schemeClr val="bg1"/>
                 </a:solidFill>
+                <a:latin typeface="Assistant SemiBold" panose="00000700000000000000" pitchFamily="2" charset="-79"/>
+                <a:cs typeface="Assistant SemiBold" panose="00000700000000000000" pitchFamily="2" charset="-79"/>
               </a:rPr>
               <a:t>“The First Noel”</a:t>
             </a:r>
@@ -3278,8 +3298,8 @@
         </p:nvSpPr>
         <p:spPr>
           <a:xfrm>
-            <a:off x="0" y="690444"/>
-            <a:ext cx="12192000" cy="3970318"/>
+            <a:off x="0" y="1022944"/>
+            <a:ext cx="12192000" cy="3108543"/>
           </a:xfrm>
           <a:prstGeom prst="rect">
             <a:avLst/>
@@ -3294,10 +3314,12 @@
           <a:p>
             <a:pPr algn="ctr"/>
             <a:r>
-              <a:rPr lang="en-US" sz="3600" dirty="0">
+              <a:rPr lang="en-US" sz="2800" spc="50" dirty="0">
                 <a:solidFill>
                   <a:schemeClr val="bg1"/>
                 </a:solidFill>
+                <a:latin typeface="Assistant" panose="00000500000000000000" pitchFamily="2" charset="-79"/>
+                <a:cs typeface="Assistant" panose="00000500000000000000" pitchFamily="2" charset="-79"/>
               </a:rPr>
               <a:t>They looked up and saw a star</a:t>
             </a:r>
@@ -3305,10 +3327,12 @@
           <a:p>
             <a:pPr algn="ctr"/>
             <a:r>
-              <a:rPr lang="en-US" sz="3600" dirty="0">
+              <a:rPr lang="en-US" sz="2800" spc="50" dirty="0">
                 <a:solidFill>
                   <a:schemeClr val="bg1"/>
                 </a:solidFill>
+                <a:latin typeface="Assistant" panose="00000500000000000000" pitchFamily="2" charset="-79"/>
+                <a:cs typeface="Assistant" panose="00000500000000000000" pitchFamily="2" charset="-79"/>
               </a:rPr>
               <a:t>Shining in the east beyond them far,</a:t>
             </a:r>
@@ -3316,10 +3340,12 @@
           <a:p>
             <a:pPr algn="ctr"/>
             <a:r>
-              <a:rPr lang="en-US" sz="3600" dirty="0">
+              <a:rPr lang="en-US" sz="2800" spc="50" dirty="0">
                 <a:solidFill>
                   <a:schemeClr val="bg1"/>
                 </a:solidFill>
+                <a:latin typeface="Assistant" panose="00000500000000000000" pitchFamily="2" charset="-79"/>
+                <a:cs typeface="Assistant" panose="00000500000000000000" pitchFamily="2" charset="-79"/>
               </a:rPr>
               <a:t>And to the earth it gave great light,</a:t>
             </a:r>
@@ -3327,29 +3353,35 @@
           <a:p>
             <a:pPr algn="ctr"/>
             <a:r>
-              <a:rPr lang="en-US" sz="3600" dirty="0">
+              <a:rPr lang="en-US" sz="2800" spc="50" dirty="0">
                 <a:solidFill>
                   <a:schemeClr val="bg1"/>
                 </a:solidFill>
+                <a:latin typeface="Assistant" panose="00000500000000000000" pitchFamily="2" charset="-79"/>
+                <a:cs typeface="Assistant" panose="00000500000000000000" pitchFamily="2" charset="-79"/>
               </a:rPr>
               <a:t>And so it continued both day and night</a:t>
             </a:r>
           </a:p>
           <a:p>
             <a:pPr algn="ctr"/>
-            <a:endParaRPr lang="en-US" sz="3600" dirty="0">
+            <a:endParaRPr lang="en-US" sz="2800" spc="50" dirty="0">
               <a:solidFill>
                 <a:schemeClr val="bg1"/>
               </a:solidFill>
+              <a:latin typeface="Assistant" panose="00000500000000000000" pitchFamily="2" charset="-79"/>
+              <a:cs typeface="Assistant" panose="00000500000000000000" pitchFamily="2" charset="-79"/>
             </a:endParaRPr>
           </a:p>
           <a:p>
             <a:pPr algn="ctr"/>
             <a:r>
-              <a:rPr lang="en-US" sz="3600" dirty="0">
+              <a:rPr lang="en-US" sz="2800" spc="50" dirty="0">
                 <a:solidFill>
                   <a:schemeClr val="bg1"/>
                 </a:solidFill>
+                <a:latin typeface="Assistant" panose="00000500000000000000" pitchFamily="2" charset="-79"/>
+                <a:cs typeface="Assistant" panose="00000500000000000000" pitchFamily="2" charset="-79"/>
               </a:rPr>
               <a:t>Noel, Noel, Noel, Noel! </a:t>
             </a:r>
@@ -3357,10 +3389,12 @@
           <a:p>
             <a:pPr algn="ctr"/>
             <a:r>
-              <a:rPr lang="en-US" sz="3600" dirty="0">
+              <a:rPr lang="en-US" sz="2800" spc="50" dirty="0">
                 <a:solidFill>
                   <a:schemeClr val="bg1"/>
                 </a:solidFill>
+                <a:latin typeface="Assistant" panose="00000500000000000000" pitchFamily="2" charset="-79"/>
+                <a:cs typeface="Assistant" panose="00000500000000000000" pitchFamily="2" charset="-79"/>
               </a:rPr>
               <a:t>Born is the King of Israel!</a:t>
             </a:r>
@@ -3462,8 +3496,8 @@
         </p:nvSpPr>
         <p:spPr>
           <a:xfrm>
-            <a:off x="0" y="5804209"/>
-            <a:ext cx="12192000" cy="830997"/>
+            <a:off x="0" y="5927320"/>
+            <a:ext cx="12192000" cy="584775"/>
           </a:xfrm>
           <a:prstGeom prst="rect">
             <a:avLst/>
@@ -3478,10 +3512,12 @@
           <a:p>
             <a:pPr algn="ctr"/>
             <a:r>
-              <a:rPr lang="en-US" sz="4800" dirty="0">
+              <a:rPr lang="en-US" sz="3200" u="sng" dirty="0">
                 <a:solidFill>
                   <a:schemeClr val="bg1"/>
                 </a:solidFill>
+                <a:latin typeface="Assistant SemiBold" panose="00000700000000000000" pitchFamily="2" charset="-79"/>
+                <a:cs typeface="Assistant SemiBold" panose="00000700000000000000" pitchFamily="2" charset="-79"/>
               </a:rPr>
               <a:t>“The First Noel”</a:t>
             </a:r>
@@ -3502,8 +3538,8 @@
         </p:nvSpPr>
         <p:spPr>
           <a:xfrm>
-            <a:off x="0" y="690444"/>
-            <a:ext cx="12192000" cy="3970318"/>
+            <a:off x="0" y="1022944"/>
+            <a:ext cx="12192000" cy="3108543"/>
           </a:xfrm>
           <a:prstGeom prst="rect">
             <a:avLst/>
@@ -3518,10 +3554,12 @@
           <a:p>
             <a:pPr algn="ctr"/>
             <a:r>
-              <a:rPr lang="en-US" sz="3600" dirty="0">
+              <a:rPr lang="en-US" sz="2800" spc="50" dirty="0">
                 <a:solidFill>
                   <a:schemeClr val="bg1"/>
                 </a:solidFill>
+                <a:latin typeface="Assistant" panose="00000500000000000000" pitchFamily="2" charset="-79"/>
+                <a:cs typeface="Assistant" panose="00000500000000000000" pitchFamily="2" charset="-79"/>
               </a:rPr>
               <a:t>And by the light of that same star,</a:t>
             </a:r>
@@ -3529,10 +3567,12 @@
           <a:p>
             <a:pPr algn="ctr"/>
             <a:r>
-              <a:rPr lang="en-US" sz="3600" dirty="0">
+              <a:rPr lang="en-US" sz="2800" spc="50" dirty="0">
                 <a:solidFill>
                   <a:schemeClr val="bg1"/>
                 </a:solidFill>
+                <a:latin typeface="Assistant" panose="00000500000000000000" pitchFamily="2" charset="-79"/>
+                <a:cs typeface="Assistant" panose="00000500000000000000" pitchFamily="2" charset="-79"/>
               </a:rPr>
               <a:t>Three Wise Men came from a country afar;</a:t>
             </a:r>
@@ -3540,10 +3580,12 @@
           <a:p>
             <a:pPr algn="ctr"/>
             <a:r>
-              <a:rPr lang="en-US" sz="3600" dirty="0">
+              <a:rPr lang="en-US" sz="2800" spc="50" dirty="0">
                 <a:solidFill>
                   <a:schemeClr val="bg1"/>
                 </a:solidFill>
+                <a:latin typeface="Assistant" panose="00000500000000000000" pitchFamily="2" charset="-79"/>
+                <a:cs typeface="Assistant" panose="00000500000000000000" pitchFamily="2" charset="-79"/>
               </a:rPr>
               <a:t>To seek for a king was their intent</a:t>
             </a:r>
@@ -3551,29 +3593,35 @@
           <a:p>
             <a:pPr algn="ctr"/>
             <a:r>
-              <a:rPr lang="en-US" sz="3600" dirty="0">
+              <a:rPr lang="en-US" sz="2800" spc="50" dirty="0">
                 <a:solidFill>
                   <a:schemeClr val="bg1"/>
                 </a:solidFill>
+                <a:latin typeface="Assistant" panose="00000500000000000000" pitchFamily="2" charset="-79"/>
+                <a:cs typeface="Assistant" panose="00000500000000000000" pitchFamily="2" charset="-79"/>
               </a:rPr>
               <a:t>And to follow the star wherever it went.</a:t>
             </a:r>
           </a:p>
           <a:p>
             <a:pPr algn="ctr"/>
-            <a:endParaRPr lang="en-US" sz="3600" dirty="0">
+            <a:endParaRPr lang="en-US" sz="2800" spc="50" dirty="0">
               <a:solidFill>
                 <a:schemeClr val="bg1"/>
               </a:solidFill>
+              <a:latin typeface="Assistant" panose="00000500000000000000" pitchFamily="2" charset="-79"/>
+              <a:cs typeface="Assistant" panose="00000500000000000000" pitchFamily="2" charset="-79"/>
             </a:endParaRPr>
           </a:p>
           <a:p>
             <a:pPr algn="ctr"/>
             <a:r>
-              <a:rPr lang="en-US" sz="3600" dirty="0">
+              <a:rPr lang="en-US" sz="2800" spc="50" dirty="0">
                 <a:solidFill>
                   <a:schemeClr val="bg1"/>
                 </a:solidFill>
+                <a:latin typeface="Assistant" panose="00000500000000000000" pitchFamily="2" charset="-79"/>
+                <a:cs typeface="Assistant" panose="00000500000000000000" pitchFamily="2" charset="-79"/>
               </a:rPr>
               <a:t>Noel, Noel, Noel, Noel! </a:t>
             </a:r>
@@ -3581,10 +3629,12 @@
           <a:p>
             <a:pPr algn="ctr"/>
             <a:r>
-              <a:rPr lang="en-US" sz="3600" dirty="0">
+              <a:rPr lang="en-US" sz="2800" spc="50" dirty="0">
                 <a:solidFill>
                   <a:schemeClr val="bg1"/>
                 </a:solidFill>
+                <a:latin typeface="Assistant" panose="00000500000000000000" pitchFamily="2" charset="-79"/>
+                <a:cs typeface="Assistant" panose="00000500000000000000" pitchFamily="2" charset="-79"/>
               </a:rPr>
               <a:t>Born is the King of Israel!</a:t>
             </a:r>
@@ -3686,8 +3736,8 @@
         </p:nvSpPr>
         <p:spPr>
           <a:xfrm>
-            <a:off x="0" y="5804209"/>
-            <a:ext cx="12192000" cy="830997"/>
+            <a:off x="0" y="5927320"/>
+            <a:ext cx="12192000" cy="584775"/>
           </a:xfrm>
           <a:prstGeom prst="rect">
             <a:avLst/>
@@ -3702,10 +3752,12 @@
           <a:p>
             <a:pPr algn="ctr"/>
             <a:r>
-              <a:rPr lang="en-US" sz="4800" dirty="0">
+              <a:rPr lang="en-US" sz="3200" u="sng" dirty="0">
                 <a:solidFill>
                   <a:schemeClr val="bg1"/>
                 </a:solidFill>
+                <a:latin typeface="Assistant SemiBold" panose="00000700000000000000" pitchFamily="2" charset="-79"/>
+                <a:cs typeface="Assistant SemiBold" panose="00000700000000000000" pitchFamily="2" charset="-79"/>
               </a:rPr>
               <a:t>“The First Noel”</a:t>
             </a:r>
@@ -3726,8 +3778,8 @@
         </p:nvSpPr>
         <p:spPr>
           <a:xfrm>
-            <a:off x="0" y="690444"/>
-            <a:ext cx="12192000" cy="3970318"/>
+            <a:off x="0" y="1022944"/>
+            <a:ext cx="12192000" cy="3108543"/>
           </a:xfrm>
           <a:prstGeom prst="rect">
             <a:avLst/>
@@ -3742,10 +3794,12 @@
           <a:p>
             <a:pPr algn="ctr"/>
             <a:r>
-              <a:rPr lang="en-US" sz="3600" dirty="0">
+              <a:rPr lang="en-US" sz="2800" spc="50" dirty="0">
                 <a:solidFill>
                   <a:schemeClr val="bg1"/>
                 </a:solidFill>
+                <a:latin typeface="Assistant" panose="00000500000000000000" pitchFamily="2" charset="-79"/>
+                <a:cs typeface="Assistant" panose="00000500000000000000" pitchFamily="2" charset="-79"/>
               </a:rPr>
               <a:t>This star drew nigh to the northwest,</a:t>
             </a:r>
@@ -3753,10 +3807,12 @@
           <a:p>
             <a:pPr algn="ctr"/>
             <a:r>
-              <a:rPr lang="en-US" sz="3600" dirty="0">
+              <a:rPr lang="en-US" sz="2800" spc="50" dirty="0">
                 <a:solidFill>
                   <a:schemeClr val="bg1"/>
                 </a:solidFill>
+                <a:latin typeface="Assistant" panose="00000500000000000000" pitchFamily="2" charset="-79"/>
+                <a:cs typeface="Assistant" panose="00000500000000000000" pitchFamily="2" charset="-79"/>
               </a:rPr>
               <a:t>O’er Bethlehem then it took its rest, </a:t>
             </a:r>
@@ -3764,10 +3820,12 @@
           <a:p>
             <a:pPr algn="ctr"/>
             <a:r>
-              <a:rPr lang="en-US" sz="3600" dirty="0">
+              <a:rPr lang="en-US" sz="2800" spc="50" dirty="0">
                 <a:solidFill>
                   <a:schemeClr val="bg1"/>
                 </a:solidFill>
+                <a:latin typeface="Assistant" panose="00000500000000000000" pitchFamily="2" charset="-79"/>
+                <a:cs typeface="Assistant" panose="00000500000000000000" pitchFamily="2" charset="-79"/>
               </a:rPr>
               <a:t>And there it did both stop and stay</a:t>
             </a:r>
@@ -3775,29 +3833,35 @@
           <a:p>
             <a:pPr algn="ctr"/>
             <a:r>
-              <a:rPr lang="en-US" sz="3600" dirty="0">
+              <a:rPr lang="en-US" sz="2800" spc="50" dirty="0">
                 <a:solidFill>
                   <a:schemeClr val="bg1"/>
                 </a:solidFill>
+                <a:latin typeface="Assistant" panose="00000500000000000000" pitchFamily="2" charset="-79"/>
+                <a:cs typeface="Assistant" panose="00000500000000000000" pitchFamily="2" charset="-79"/>
               </a:rPr>
               <a:t>Right o’er the place where Jesus lay.</a:t>
             </a:r>
           </a:p>
           <a:p>
             <a:pPr algn="ctr"/>
-            <a:endParaRPr lang="en-US" sz="3600" dirty="0">
+            <a:endParaRPr lang="en-US" sz="2800" spc="50" dirty="0">
               <a:solidFill>
                 <a:schemeClr val="bg1"/>
               </a:solidFill>
+              <a:latin typeface="Assistant" panose="00000500000000000000" pitchFamily="2" charset="-79"/>
+              <a:cs typeface="Assistant" panose="00000500000000000000" pitchFamily="2" charset="-79"/>
             </a:endParaRPr>
           </a:p>
           <a:p>
             <a:pPr algn="ctr"/>
             <a:r>
-              <a:rPr lang="en-US" sz="3600" dirty="0">
+              <a:rPr lang="en-US" sz="2800" spc="50" dirty="0">
                 <a:solidFill>
                   <a:schemeClr val="bg1"/>
                 </a:solidFill>
+                <a:latin typeface="Assistant" panose="00000500000000000000" pitchFamily="2" charset="-79"/>
+                <a:cs typeface="Assistant" panose="00000500000000000000" pitchFamily="2" charset="-79"/>
               </a:rPr>
               <a:t>Noel, Noel, Noel, Noel! </a:t>
             </a:r>
@@ -3805,10 +3869,12 @@
           <a:p>
             <a:pPr algn="ctr"/>
             <a:r>
-              <a:rPr lang="en-US" sz="3600" dirty="0">
+              <a:rPr lang="en-US" sz="2800" spc="50" dirty="0">
                 <a:solidFill>
                   <a:schemeClr val="bg1"/>
                 </a:solidFill>
+                <a:latin typeface="Assistant" panose="00000500000000000000" pitchFamily="2" charset="-79"/>
+                <a:cs typeface="Assistant" panose="00000500000000000000" pitchFamily="2" charset="-79"/>
               </a:rPr>
               <a:t>Born is the King of Israel!</a:t>
             </a:r>
@@ -3910,8 +3976,8 @@
         </p:nvSpPr>
         <p:spPr>
           <a:xfrm>
-            <a:off x="0" y="5804209"/>
-            <a:ext cx="12192000" cy="830997"/>
+            <a:off x="0" y="5927320"/>
+            <a:ext cx="12192000" cy="584775"/>
           </a:xfrm>
           <a:prstGeom prst="rect">
             <a:avLst/>
@@ -3926,10 +3992,12 @@
           <a:p>
             <a:pPr algn="ctr"/>
             <a:r>
-              <a:rPr lang="en-US" sz="4800" dirty="0">
+              <a:rPr lang="en-US" sz="3200" u="sng" dirty="0">
                 <a:solidFill>
                   <a:schemeClr val="bg1"/>
                 </a:solidFill>
+                <a:latin typeface="Assistant SemiBold" panose="00000700000000000000" pitchFamily="2" charset="-79"/>
+                <a:cs typeface="Assistant SemiBold" panose="00000700000000000000" pitchFamily="2" charset="-79"/>
               </a:rPr>
               <a:t>“The First Noel”</a:t>
             </a:r>
@@ -3950,8 +4018,8 @@
         </p:nvSpPr>
         <p:spPr>
           <a:xfrm>
-            <a:off x="0" y="690444"/>
-            <a:ext cx="12192000" cy="3970318"/>
+            <a:off x="0" y="1022944"/>
+            <a:ext cx="12192000" cy="3108543"/>
           </a:xfrm>
           <a:prstGeom prst="rect">
             <a:avLst/>
@@ -3966,10 +4034,12 @@
           <a:p>
             <a:pPr algn="ctr"/>
             <a:r>
-              <a:rPr lang="en-US" sz="3600" dirty="0">
+              <a:rPr lang="en-US" sz="2800" spc="50" dirty="0">
                 <a:solidFill>
                   <a:schemeClr val="bg1"/>
                 </a:solidFill>
+                <a:latin typeface="Assistant" panose="00000500000000000000" pitchFamily="2" charset="-79"/>
+                <a:cs typeface="Assistant" panose="00000500000000000000" pitchFamily="2" charset="-79"/>
               </a:rPr>
               <a:t>Then entered in those Wise Men three;</a:t>
             </a:r>
@@ -3977,10 +4047,12 @@
           <a:p>
             <a:pPr algn="ctr"/>
             <a:r>
-              <a:rPr lang="en-US" sz="3600" dirty="0">
+              <a:rPr lang="en-US" sz="2800" spc="50" dirty="0">
                 <a:solidFill>
                   <a:schemeClr val="bg1"/>
                 </a:solidFill>
+                <a:latin typeface="Assistant" panose="00000500000000000000" pitchFamily="2" charset="-79"/>
+                <a:cs typeface="Assistant" panose="00000500000000000000" pitchFamily="2" charset="-79"/>
               </a:rPr>
               <a:t>Full reverently upon the knee,</a:t>
             </a:r>
@@ -3988,10 +4060,12 @@
           <a:p>
             <a:pPr algn="ctr"/>
             <a:r>
-              <a:rPr lang="en-US" sz="3600" dirty="0">
+              <a:rPr lang="en-US" sz="2800" spc="50" dirty="0">
                 <a:solidFill>
                   <a:schemeClr val="bg1"/>
                 </a:solidFill>
+                <a:latin typeface="Assistant" panose="00000500000000000000" pitchFamily="2" charset="-79"/>
+                <a:cs typeface="Assistant" panose="00000500000000000000" pitchFamily="2" charset="-79"/>
               </a:rPr>
               <a:t>They offered there, in His presence,</a:t>
             </a:r>
@@ -3999,29 +4073,35 @@
           <a:p>
             <a:pPr algn="ctr"/>
             <a:r>
-              <a:rPr lang="en-US" sz="3600" dirty="0">
+              <a:rPr lang="en-US" sz="2800" spc="50" dirty="0">
                 <a:solidFill>
                   <a:schemeClr val="bg1"/>
                 </a:solidFill>
+                <a:latin typeface="Assistant" panose="00000500000000000000" pitchFamily="2" charset="-79"/>
+                <a:cs typeface="Assistant" panose="00000500000000000000" pitchFamily="2" charset="-79"/>
               </a:rPr>
               <a:t>Their gold, and myrrh, and frankincense.</a:t>
             </a:r>
           </a:p>
           <a:p>
             <a:pPr algn="ctr"/>
-            <a:endParaRPr lang="en-US" sz="3600" dirty="0">
+            <a:endParaRPr lang="en-US" sz="2800" spc="50" dirty="0">
               <a:solidFill>
                 <a:schemeClr val="bg1"/>
               </a:solidFill>
+              <a:latin typeface="Assistant" panose="00000500000000000000" pitchFamily="2" charset="-79"/>
+              <a:cs typeface="Assistant" panose="00000500000000000000" pitchFamily="2" charset="-79"/>
             </a:endParaRPr>
           </a:p>
           <a:p>
             <a:pPr algn="ctr"/>
             <a:r>
-              <a:rPr lang="en-US" sz="3600" dirty="0">
+              <a:rPr lang="en-US" sz="2800" spc="50" dirty="0">
                 <a:solidFill>
                   <a:schemeClr val="bg1"/>
                 </a:solidFill>
+                <a:latin typeface="Assistant" panose="00000500000000000000" pitchFamily="2" charset="-79"/>
+                <a:cs typeface="Assistant" panose="00000500000000000000" pitchFamily="2" charset="-79"/>
               </a:rPr>
               <a:t>Noel, Noel, Noel, Noel! </a:t>
             </a:r>
@@ -4029,10 +4109,12 @@
           <a:p>
             <a:pPr algn="ctr"/>
             <a:r>
-              <a:rPr lang="en-US" sz="3600" dirty="0">
+              <a:rPr lang="en-US" sz="2800" spc="50" dirty="0">
                 <a:solidFill>
                   <a:schemeClr val="bg1"/>
                 </a:solidFill>
+                <a:latin typeface="Assistant" panose="00000500000000000000" pitchFamily="2" charset="-79"/>
+                <a:cs typeface="Assistant" panose="00000500000000000000" pitchFamily="2" charset="-79"/>
               </a:rPr>
               <a:t>Born is the King of Israel!</a:t>
             </a:r>
